--- a/Manage_Notary_Contract/Báo Cáo C#.pptx
+++ b/Manage_Notary_Contract/Báo Cáo C#.pptx
@@ -211,7 +211,7 @@
           <a:p>
             <a:fld id="{841CCE19-F9DC-4409-805D-15EC729D1BCE}" type="datetimeFigureOut">
               <a:rPr lang="en-US" smtClean="0"/>
-              <a:t>5/21/2018</a:t>
+              <a:t>05/21/18</a:t>
             </a:fld>
             <a:endParaRPr lang="en-US"/>
           </a:p>
@@ -665,7 +665,7 @@
           <a:p>
             <a:fld id="{3EA6E5E0-453F-4F5E-9577-B610A2546D2C}" type="datetime1">
               <a:rPr lang="en-US" smtClean="0"/>
-              <a:t>5/21/2018</a:t>
+              <a:t>05/21/18</a:t>
             </a:fld>
             <a:endParaRPr lang="en-US" dirty="0"/>
           </a:p>
@@ -946,7 +946,7 @@
           <a:p>
             <a:fld id="{8442EA8C-4615-4437-9B57-0D719825F139}" type="datetime1">
               <a:rPr lang="en-US" smtClean="0"/>
-              <a:t>5/21/2018</a:t>
+              <a:t>05/21/18</a:t>
             </a:fld>
             <a:endParaRPr lang="en-US" dirty="0"/>
           </a:p>
@@ -1139,7 +1139,7 @@
           <a:p>
             <a:fld id="{B4AB3461-3102-46AE-B04A-F77E46365F53}" type="datetime1">
               <a:rPr lang="en-US" smtClean="0"/>
-              <a:t>5/21/2018</a:t>
+              <a:t>05/21/18</a:t>
             </a:fld>
             <a:endParaRPr lang="en-US" dirty="0"/>
           </a:p>
@@ -1411,7 +1411,7 @@
           <a:p>
             <a:fld id="{A2395784-B1FE-4A5C-A722-9FD6DE1F41AD}" type="datetime1">
               <a:rPr lang="en-US" smtClean="0"/>
-              <a:t>5/21/2018</a:t>
+              <a:t>05/21/18</a:t>
             </a:fld>
             <a:endParaRPr lang="en-US" dirty="0"/>
           </a:p>
@@ -1751,7 +1751,7 @@
           <a:p>
             <a:fld id="{CD530D7B-928A-4466-A41B-DBCB3716C372}" type="datetime1">
               <a:rPr lang="en-US" smtClean="0"/>
-              <a:t>5/21/2018</a:t>
+              <a:t>05/21/18</a:t>
             </a:fld>
             <a:endParaRPr lang="en-US" dirty="0"/>
           </a:p>
@@ -2373,7 +2373,7 @@
           <a:p>
             <a:fld id="{0F00CAF7-9386-4926-AA98-787796F530C4}" type="datetime1">
               <a:rPr lang="en-US" smtClean="0"/>
-              <a:t>5/21/2018</a:t>
+              <a:t>05/21/18</a:t>
             </a:fld>
             <a:endParaRPr lang="en-US" dirty="0"/>
           </a:p>
@@ -3232,7 +3232,7 @@
           <a:p>
             <a:fld id="{FE14BE4A-9AED-4A06-A471-7AC216673370}" type="datetime1">
               <a:rPr lang="en-US" smtClean="0"/>
-              <a:t>5/21/2018</a:t>
+              <a:t>05/21/18</a:t>
             </a:fld>
             <a:endParaRPr lang="en-US" dirty="0"/>
           </a:p>
@@ -3401,7 +3401,7 @@
           <a:p>
             <a:fld id="{EC115D07-924A-4AD9-BCA5-6E9ADD96B53D}" type="datetime1">
               <a:rPr lang="en-US" smtClean="0"/>
-              <a:t>5/21/2018</a:t>
+              <a:t>05/21/18</a:t>
             </a:fld>
             <a:endParaRPr lang="en-US" dirty="0"/>
           </a:p>
@@ -3580,7 +3580,7 @@
           <a:p>
             <a:fld id="{AACD5DFA-9979-4202-B54F-BB934C108FF8}" type="datetime1">
               <a:rPr lang="en-US" smtClean="0"/>
-              <a:t>5/21/2018</a:t>
+              <a:t>05/21/18</a:t>
             </a:fld>
             <a:endParaRPr lang="en-US" dirty="0"/>
           </a:p>
@@ -3797,7 +3797,7 @@
           <a:p>
             <a:fld id="{BD6EF5B3-8CD1-4D34-87C4-D6D37798DE91}" type="datetime1">
               <a:rPr lang="en-US" smtClean="0"/>
-              <a:t>5/21/2018</a:t>
+              <a:t>05/21/18</a:t>
             </a:fld>
             <a:endParaRPr lang="en-US" dirty="0"/>
           </a:p>
@@ -4063,7 +4063,7 @@
           <a:p>
             <a:fld id="{3C0566CF-7C27-40EE-B586-13B19BA4A2EC}" type="datetime1">
               <a:rPr lang="en-US" smtClean="0"/>
-              <a:t>5/21/2018</a:t>
+              <a:t>05/21/18</a:t>
             </a:fld>
             <a:endParaRPr lang="en-US" dirty="0"/>
           </a:p>
@@ -4386,7 +4386,7 @@
           <a:p>
             <a:fld id="{68F797C0-EA30-45F8-8BB8-F9F632EF2006}" type="datetime1">
               <a:rPr lang="en-US" smtClean="0"/>
-              <a:t>5/21/2018</a:t>
+              <a:t>05/21/18</a:t>
             </a:fld>
             <a:endParaRPr lang="en-US" dirty="0"/>
           </a:p>
@@ -4829,7 +4829,7 @@
           <a:p>
             <a:fld id="{144BBCA3-83F8-4DE2-A594-ACD244BE6FD9}" type="datetime1">
               <a:rPr lang="en-US" smtClean="0"/>
-              <a:t>5/21/2018</a:t>
+              <a:t>05/21/18</a:t>
             </a:fld>
             <a:endParaRPr lang="en-US" dirty="0"/>
           </a:p>
@@ -4946,7 +4946,7 @@
           <a:p>
             <a:fld id="{279FD6A1-AD13-495C-8383-3AAA9FCD1E1C}" type="datetime1">
               <a:rPr lang="en-US" smtClean="0"/>
-              <a:t>5/21/2018</a:t>
+              <a:t>05/21/18</a:t>
             </a:fld>
             <a:endParaRPr lang="en-US" dirty="0"/>
           </a:p>
@@ -5040,7 +5040,7 @@
           <a:p>
             <a:fld id="{3C9F927E-68A2-44F7-A164-0CA81C436038}" type="datetime1">
               <a:rPr lang="en-US" smtClean="0"/>
-              <a:t>5/21/2018</a:t>
+              <a:t>05/21/18</a:t>
             </a:fld>
             <a:endParaRPr lang="en-US" dirty="0"/>
           </a:p>
@@ -5318,7 +5318,7 @@
           <a:p>
             <a:fld id="{9CA58C34-4D31-4991-B96B-DA583AB313CC}" type="datetime1">
               <a:rPr lang="en-US" smtClean="0"/>
-              <a:t>5/21/2018</a:t>
+              <a:t>05/21/18</a:t>
             </a:fld>
             <a:endParaRPr lang="en-US" dirty="0"/>
           </a:p>
@@ -5592,7 +5592,7 @@
           <a:p>
             <a:fld id="{C5D043CD-86BC-4A98-9D21-57CBB5181DAD}" type="datetime1">
               <a:rPr lang="en-US" smtClean="0"/>
-              <a:t>5/21/2018</a:t>
+              <a:t>05/21/18</a:t>
             </a:fld>
             <a:endParaRPr lang="en-US" dirty="0"/>
           </a:p>
@@ -6020,7 +6020,7 @@
           <a:p>
             <a:fld id="{B47CE158-64C7-415B-88C8-22FE66FDA851}" type="datetime1">
               <a:rPr lang="en-US" smtClean="0"/>
-              <a:t>5/21/2018</a:t>
+              <a:t>05/21/18</a:t>
             </a:fld>
             <a:endParaRPr lang="en-US" dirty="0"/>
           </a:p>
@@ -6715,6 +6715,17 @@
               </a:rPr>
               <a:t> – </a:t>
             </a:r>
+            <a:r>
+              <a:rPr lang="en-US" dirty="0" smtClean="0">
+                <a:latin typeface="Times New Roman" panose="02020603050405020304" pitchFamily="18" charset="0"/>
+                <a:cs typeface="Times New Roman" panose="02020603050405020304" pitchFamily="18" charset="0"/>
+              </a:rPr>
+              <a:t>115000638</a:t>
+            </a:r>
+            <a:endParaRPr lang="en-US" dirty="0" smtClean="0">
+              <a:latin typeface="Times New Roman" panose="02020603050405020304" pitchFamily="18" charset="0"/>
+              <a:cs typeface="Times New Roman" panose="02020603050405020304" pitchFamily="18" charset="0"/>
+            </a:endParaRPr>
           </a:p>
           <a:p>
             <a:r>
@@ -6901,18 +6912,11 @@
               <a:t> </a:t>
             </a:r>
             <a:r>
-              <a:rPr lang="en-US" dirty="0" err="1" smtClean="0">
-                <a:latin typeface="Times New Roman" panose="02020603050405020304" pitchFamily="18" charset="0"/>
-                <a:cs typeface="Times New Roman" panose="02020603050405020304" pitchFamily="18" charset="0"/>
-              </a:rPr>
-              <a:t>Ngọc</a:t>
-            </a:r>
-            <a:r>
               <a:rPr lang="en-US" dirty="0" smtClean="0">
                 <a:latin typeface="Times New Roman" panose="02020603050405020304" pitchFamily="18" charset="0"/>
                 <a:cs typeface="Times New Roman" panose="02020603050405020304" pitchFamily="18" charset="0"/>
               </a:rPr>
-              <a:t> </a:t>
+              <a:t>Minh </a:t>
             </a:r>
             <a:r>
               <a:rPr lang="en-US" dirty="0" err="1" smtClean="0">
@@ -9215,6 +9219,13 @@
   <p:clrMapOvr>
     <a:masterClrMapping/>
   </p:clrMapOvr>
+  <p:timing>
+    <p:tnLst>
+      <p:par>
+        <p:cTn id="1" dur="indefinite" restart="never" nodeType="tmRoot"/>
+      </p:par>
+    </p:tnLst>
+  </p:timing>
 </p:sld>
 </file>
 
@@ -9622,8 +9633,8 @@
         </p:blipFill>
         <p:spPr>
           <a:xfrm>
-            <a:off x="898469" y="822035"/>
-            <a:ext cx="10295465" cy="5791199"/>
+            <a:off x="898469" y="583125"/>
+            <a:ext cx="10295465" cy="6030109"/>
           </a:xfrm>
         </p:spPr>
       </p:pic>
